--- a/1차 프로젝트/01. 자료수집/오뚜기.pptx
+++ b/1차 프로젝트/01. 자료수집/오뚜기.pptx
@@ -6,6 +6,8 @@
   </p:sldMasterIdLst>
   <p:sldIdLst>
     <p:sldId id="256" r:id="rId2"/>
+    <p:sldId id="258" r:id="rId3"/>
+    <p:sldId id="259" r:id="rId4"/>
   </p:sldIdLst>
   <p:sldSz cx="12192000" cy="6858000"/>
   <p:notesSz cx="6858000" cy="9144000"/>
@@ -3122,36 +3124,6 @@
           </a:p>
         </p:txBody>
       </p:sp>
-      <p:pic>
-        <p:nvPicPr>
-          <p:cNvPr id="6" name="그림 5"/>
-          <p:cNvPicPr>
-            <a:picLocks noChangeAspect="1"/>
-          </p:cNvPicPr>
-          <p:nvPr/>
-        </p:nvPicPr>
-        <p:blipFill>
-          <a:blip r:embed="rId2" cstate="print">
-            <a:extLst>
-              <a:ext uri="{28A0092B-C50C-407E-A947-70E740481C1C}">
-                <a14:useLocalDpi xmlns:a14="http://schemas.microsoft.com/office/drawing/2010/main" val="0"/>
-              </a:ext>
-            </a:extLst>
-          </a:blip>
-          <a:stretch>
-            <a:fillRect/>
-          </a:stretch>
-        </p:blipFill>
-        <p:spPr>
-          <a:xfrm>
-            <a:off x="2703314" y="350982"/>
-            <a:ext cx="1076292" cy="6858000"/>
-          </a:xfrm>
-          <a:prstGeom prst="rect">
-            <a:avLst/>
-          </a:prstGeom>
-        </p:spPr>
-      </p:pic>
       <p:sp>
         <p:nvSpPr>
           <p:cNvPr id="7" name="제목 1"/>
@@ -3193,6 +3165,7 @@
             </a:lvl1pPr>
           </a:lstStyle>
           <a:p>
+            <a:pPr algn="r"/>
             <a:r>
               <a:rPr lang="en-US" altLang="ko-KR" sz="2000" dirty="0" smtClean="0">
                 <a:latin typeface="에스코어 드림 9 Black" panose="020B0A03030302020204" pitchFamily="34" charset="-127"/>
@@ -3252,7 +3225,7 @@
         </p:nvSpPr>
         <p:spPr>
           <a:xfrm>
-            <a:off x="6446980" y="4059524"/>
+            <a:off x="-184730" y="1034472"/>
             <a:ext cx="1958112" cy="618838"/>
           </a:xfrm>
           <a:prstGeom prst="rect">
@@ -3319,6 +3292,7 @@
           </a:bodyPr>
           <a:lstStyle/>
           <a:p>
+            <a:pPr algn="ctr"/>
             <a:r>
               <a:rPr lang="ko-KR" altLang="en-US" sz="8000" dirty="0" err="1" smtClean="0">
                 <a:solidFill>
@@ -3357,6 +3331,702 @@
     <p:extLst>
       <p:ext uri="{BB962C8B-B14F-4D97-AF65-F5344CB8AC3E}">
         <p14:creationId xmlns:p14="http://schemas.microsoft.com/office/powerpoint/2010/main" val="139144093"/>
+      </p:ext>
+    </p:extLst>
+  </p:cSld>
+  <p:clrMapOvr>
+    <a:masterClrMapping/>
+  </p:clrMapOvr>
+</p:sld>
+</file>
+
+<file path=ppt/slides/slide2.xml><?xml version="1.0" encoding="utf-8"?>
+<p:sld xmlns:a="http://schemas.openxmlformats.org/drawingml/2006/main" xmlns:r="http://schemas.openxmlformats.org/officeDocument/2006/relationships" xmlns:p="http://schemas.openxmlformats.org/presentationml/2006/main">
+  <p:cSld>
+    <p:bg>
+      <p:bgPr>
+        <a:solidFill>
+          <a:srgbClr val="FFFDEB"/>
+        </a:solidFill>
+        <a:effectLst/>
+      </p:bgPr>
+    </p:bg>
+    <p:spTree>
+      <p:nvGrpSpPr>
+        <p:cNvPr id="1" name=""/>
+        <p:cNvGrpSpPr/>
+        <p:nvPr/>
+      </p:nvGrpSpPr>
+      <p:grpSpPr>
+        <a:xfrm>
+          <a:off x="0" y="0"/>
+          <a:ext cx="0" cy="0"/>
+          <a:chOff x="0" y="0"/>
+          <a:chExt cx="0" cy="0"/>
+        </a:xfrm>
+      </p:grpSpPr>
+      <p:sp>
+        <p:nvSpPr>
+          <p:cNvPr id="5" name="제목 1"/>
+          <p:cNvSpPr txBox="1">
+            <a:spLocks/>
+          </p:cNvSpPr>
+          <p:nvPr/>
+        </p:nvSpPr>
+        <p:spPr>
+          <a:xfrm>
+            <a:off x="6733309" y="0"/>
+            <a:ext cx="5384800" cy="452582"/>
+          </a:xfrm>
+          <a:prstGeom prst="rect">
+            <a:avLst/>
+          </a:prstGeom>
+        </p:spPr>
+        <p:txBody>
+          <a:bodyPr vert="horz" lIns="91440" tIns="45720" rIns="91440" bIns="45720" rtlCol="0" anchor="b">
+            <a:normAutofit fontScale="25000" lnSpcReduction="20000"/>
+          </a:bodyPr>
+          <a:lstStyle>
+            <a:lvl1pPr algn="ctr" defTabSz="914400" rtl="0" eaLnBrk="1" latinLnBrk="1" hangingPunct="1">
+              <a:lnSpc>
+                <a:spcPct val="90000"/>
+              </a:lnSpc>
+              <a:spcBef>
+                <a:spcPct val="0"/>
+              </a:spcBef>
+              <a:buNone/>
+              <a:defRPr sz="6000" kern="1200">
+                <a:solidFill>
+                  <a:schemeClr val="tx1"/>
+                </a:solidFill>
+                <a:latin typeface="+mj-lt"/>
+                <a:ea typeface="+mj-ea"/>
+                <a:cs typeface="+mj-cs"/>
+              </a:defRPr>
+            </a:lvl1pPr>
+          </a:lstStyle>
+          <a:p>
+            <a:r>
+              <a:rPr lang="en-US" altLang="ko-KR" b="1" dirty="0">
+                <a:latin typeface="G마켓 산스 TTF Medium" panose="02000000000000000000" pitchFamily="2" charset="-127"/>
+                <a:ea typeface="G마켓 산스 TTF Medium" panose="02000000000000000000" pitchFamily="2" charset="-127"/>
+              </a:rPr>
+              <a:t>[ </a:t>
+            </a:r>
+            <a:r>
+              <a:rPr lang="ko-KR" altLang="en-US" b="1" dirty="0" err="1">
+                <a:latin typeface="G마켓 산스 TTF Medium" panose="02000000000000000000" pitchFamily="2" charset="-127"/>
+                <a:ea typeface="G마켓 산스 TTF Medium" panose="02000000000000000000" pitchFamily="2" charset="-127"/>
+              </a:rPr>
+              <a:t>프론트엔드</a:t>
+            </a:r>
+            <a:r>
+              <a:rPr lang="en-US" altLang="ko-KR" b="1" dirty="0">
+                <a:latin typeface="G마켓 산스 TTF Medium" panose="02000000000000000000" pitchFamily="2" charset="-127"/>
+                <a:ea typeface="G마켓 산스 TTF Medium" panose="02000000000000000000" pitchFamily="2" charset="-127"/>
+              </a:rPr>
+              <a:t>(React, PHP), </a:t>
+            </a:r>
+            <a:r>
+              <a:rPr lang="ko-KR" altLang="en-US" b="1" dirty="0" err="1">
+                <a:latin typeface="G마켓 산스 TTF Medium" panose="02000000000000000000" pitchFamily="2" charset="-127"/>
+                <a:ea typeface="G마켓 산스 TTF Medium" panose="02000000000000000000" pitchFamily="2" charset="-127"/>
+              </a:rPr>
+              <a:t>플러터</a:t>
+            </a:r>
+            <a:r>
+              <a:rPr lang="en-US" altLang="ko-KR" b="1" dirty="0">
+                <a:latin typeface="G마켓 산스 TTF Medium" panose="02000000000000000000" pitchFamily="2" charset="-127"/>
+                <a:ea typeface="G마켓 산스 TTF Medium" panose="02000000000000000000" pitchFamily="2" charset="-127"/>
+              </a:rPr>
+              <a:t>(Flutter)</a:t>
+            </a:r>
+            <a:r>
+              <a:rPr lang="ko-KR" altLang="en-US" b="1" dirty="0">
+                <a:latin typeface="G마켓 산스 TTF Medium" panose="02000000000000000000" pitchFamily="2" charset="-127"/>
+                <a:ea typeface="G마켓 산스 TTF Medium" panose="02000000000000000000" pitchFamily="2" charset="-127"/>
+              </a:rPr>
+              <a:t>활용 웹</a:t>
+            </a:r>
+            <a:r>
+              <a:rPr lang="en-US" altLang="ko-KR" b="1" dirty="0">
+                <a:latin typeface="G마켓 산스 TTF Medium" panose="02000000000000000000" pitchFamily="2" charset="-127"/>
+                <a:ea typeface="G마켓 산스 TTF Medium" panose="02000000000000000000" pitchFamily="2" charset="-127"/>
+              </a:rPr>
+              <a:t>&amp;</a:t>
+            </a:r>
+            <a:r>
+              <a:rPr lang="ko-KR" altLang="en-US" b="1" dirty="0" err="1" smtClean="0">
+                <a:latin typeface="G마켓 산스 TTF Medium" panose="02000000000000000000" pitchFamily="2" charset="-127"/>
+                <a:ea typeface="G마켓 산스 TTF Medium" panose="02000000000000000000" pitchFamily="2" charset="-127"/>
+              </a:rPr>
+              <a:t>앱개발</a:t>
+            </a:r>
+            <a:r>
+              <a:rPr lang="en-US" altLang="ko-KR" b="1" dirty="0" smtClean="0">
+                <a:latin typeface="G마켓 산스 TTF Medium" panose="02000000000000000000" pitchFamily="2" charset="-127"/>
+                <a:ea typeface="G마켓 산스 TTF Medium" panose="02000000000000000000" pitchFamily="2" charset="-127"/>
+              </a:rPr>
+              <a:t>]</a:t>
+            </a:r>
+            <a:endParaRPr lang="ko-KR" altLang="en-US" b="1" dirty="0">
+              <a:latin typeface="G마켓 산스 TTF Medium" panose="02000000000000000000" pitchFamily="2" charset="-127"/>
+              <a:ea typeface="G마켓 산스 TTF Medium" panose="02000000000000000000" pitchFamily="2" charset="-127"/>
+            </a:endParaRPr>
+          </a:p>
+        </p:txBody>
+      </p:sp>
+      <p:sp>
+        <p:nvSpPr>
+          <p:cNvPr id="7" name="제목 1"/>
+          <p:cNvSpPr txBox="1">
+            <a:spLocks/>
+          </p:cNvSpPr>
+          <p:nvPr/>
+        </p:nvSpPr>
+        <p:spPr>
+          <a:xfrm>
+            <a:off x="5093923" y="3590633"/>
+            <a:ext cx="3045058" cy="2135911"/>
+          </a:xfrm>
+          <a:prstGeom prst="rect">
+            <a:avLst/>
+          </a:prstGeom>
+        </p:spPr>
+        <p:txBody>
+          <a:bodyPr vert="horz" lIns="91440" tIns="45720" rIns="91440" bIns="45720" rtlCol="0" anchor="b">
+            <a:normAutofit/>
+          </a:bodyPr>
+          <a:lstStyle>
+            <a:lvl1pPr algn="ctr" defTabSz="914400" rtl="0" eaLnBrk="1" latinLnBrk="1" hangingPunct="1">
+              <a:lnSpc>
+                <a:spcPct val="90000"/>
+              </a:lnSpc>
+              <a:spcBef>
+                <a:spcPct val="0"/>
+              </a:spcBef>
+              <a:buNone/>
+              <a:defRPr sz="6000" kern="1200">
+                <a:solidFill>
+                  <a:schemeClr val="tx1"/>
+                </a:solidFill>
+                <a:latin typeface="+mj-lt"/>
+                <a:ea typeface="+mj-ea"/>
+                <a:cs typeface="+mj-cs"/>
+              </a:defRPr>
+            </a:lvl1pPr>
+          </a:lstStyle>
+          <a:p>
+            <a:pPr marL="457200" indent="-457200" algn="l">
+              <a:buAutoNum type="arabicPeriod"/>
+            </a:pPr>
+            <a:r>
+              <a:rPr lang="ko-KR" altLang="en-US" sz="2000" dirty="0" smtClean="0">
+                <a:latin typeface="에스코어 드림 9 Black" panose="020B0A03030302020204" pitchFamily="34" charset="-127"/>
+                <a:ea typeface="에스코어 드림 9 Black" panose="020B0A03030302020204" pitchFamily="34" charset="-127"/>
+              </a:rPr>
+              <a:t>기획의도</a:t>
+            </a:r>
+            <a:endParaRPr lang="en-US" altLang="ko-KR" sz="2000" dirty="0" smtClean="0">
+              <a:latin typeface="에스코어 드림 9 Black" panose="020B0A03030302020204" pitchFamily="34" charset="-127"/>
+              <a:ea typeface="에스코어 드림 9 Black" panose="020B0A03030302020204" pitchFamily="34" charset="-127"/>
+            </a:endParaRPr>
+          </a:p>
+          <a:p>
+            <a:pPr marL="457200" indent="-457200" algn="l">
+              <a:buAutoNum type="arabicPeriod"/>
+            </a:pPr>
+            <a:endParaRPr lang="en-US" altLang="ko-KR" sz="2000" dirty="0">
+              <a:latin typeface="에스코어 드림 9 Black" panose="020B0A03030302020204" pitchFamily="34" charset="-127"/>
+              <a:ea typeface="에스코어 드림 9 Black" panose="020B0A03030302020204" pitchFamily="34" charset="-127"/>
+            </a:endParaRPr>
+          </a:p>
+          <a:p>
+            <a:pPr marL="457200" indent="-457200" algn="l">
+              <a:buAutoNum type="arabicPeriod"/>
+            </a:pPr>
+            <a:r>
+              <a:rPr lang="ko-KR" altLang="en-US" sz="2000" dirty="0" smtClean="0">
+                <a:latin typeface="에스코어 드림 9 Black" panose="020B0A03030302020204" pitchFamily="34" charset="-127"/>
+                <a:ea typeface="에스코어 드림 9 Black" panose="020B0A03030302020204" pitchFamily="34" charset="-127"/>
+              </a:rPr>
+              <a:t>사이트 설계</a:t>
+            </a:r>
+            <a:endParaRPr lang="en-US" altLang="ko-KR" sz="2000" dirty="0" smtClean="0">
+              <a:latin typeface="에스코어 드림 9 Black" panose="020B0A03030302020204" pitchFamily="34" charset="-127"/>
+              <a:ea typeface="에스코어 드림 9 Black" panose="020B0A03030302020204" pitchFamily="34" charset="-127"/>
+            </a:endParaRPr>
+          </a:p>
+          <a:p>
+            <a:pPr marL="457200" indent="-457200" algn="l">
+              <a:buAutoNum type="arabicPeriod"/>
+            </a:pPr>
+            <a:endParaRPr lang="en-US" altLang="ko-KR" sz="2000" dirty="0" smtClean="0">
+              <a:latin typeface="에스코어 드림 9 Black" panose="020B0A03030302020204" pitchFamily="34" charset="-127"/>
+              <a:ea typeface="에스코어 드림 9 Black" panose="020B0A03030302020204" pitchFamily="34" charset="-127"/>
+            </a:endParaRPr>
+          </a:p>
+          <a:p>
+            <a:pPr marL="457200" indent="-457200" algn="l">
+              <a:buAutoNum type="arabicPeriod"/>
+            </a:pPr>
+            <a:r>
+              <a:rPr lang="ko-KR" altLang="en-US" sz="2000" dirty="0" smtClean="0">
+                <a:latin typeface="에스코어 드림 9 Black" panose="020B0A03030302020204" pitchFamily="34" charset="-127"/>
+                <a:ea typeface="에스코어 드림 9 Black" panose="020B0A03030302020204" pitchFamily="34" charset="-127"/>
+              </a:rPr>
+              <a:t>사이트 구현</a:t>
+            </a:r>
+            <a:endParaRPr lang="en-US" altLang="ko-KR" sz="2000" dirty="0" smtClean="0">
+              <a:latin typeface="에스코어 드림 9 Black" panose="020B0A03030302020204" pitchFamily="34" charset="-127"/>
+              <a:ea typeface="에스코어 드림 9 Black" panose="020B0A03030302020204" pitchFamily="34" charset="-127"/>
+            </a:endParaRPr>
+          </a:p>
+          <a:p>
+            <a:pPr marL="457200" indent="-457200" algn="l">
+              <a:buAutoNum type="arabicPeriod"/>
+            </a:pPr>
+            <a:endParaRPr lang="en-US" altLang="ko-KR" sz="2000" dirty="0" smtClean="0">
+              <a:latin typeface="에스코어 드림 9 Black" panose="020B0A03030302020204" pitchFamily="34" charset="-127"/>
+              <a:ea typeface="에스코어 드림 9 Black" panose="020B0A03030302020204" pitchFamily="34" charset="-127"/>
+            </a:endParaRPr>
+          </a:p>
+          <a:p>
+            <a:pPr marL="457200" indent="-457200" algn="l">
+              <a:buAutoNum type="arabicPeriod"/>
+            </a:pPr>
+            <a:r>
+              <a:rPr lang="ko-KR" altLang="en-US" sz="2000" dirty="0" smtClean="0">
+                <a:latin typeface="에스코어 드림 9 Black" panose="020B0A03030302020204" pitchFamily="34" charset="-127"/>
+                <a:ea typeface="에스코어 드림 9 Black" panose="020B0A03030302020204" pitchFamily="34" charset="-127"/>
+              </a:rPr>
+              <a:t>향후 개발 방향</a:t>
+            </a:r>
+            <a:endParaRPr lang="en-US" altLang="ko-KR" sz="2000" dirty="0" smtClean="0">
+              <a:latin typeface="에스코어 드림 9 Black" panose="020B0A03030302020204" pitchFamily="34" charset="-127"/>
+              <a:ea typeface="에스코어 드림 9 Black" panose="020B0A03030302020204" pitchFamily="34" charset="-127"/>
+            </a:endParaRPr>
+          </a:p>
+          <a:p>
+            <a:pPr marL="457200" indent="-457200">
+              <a:buAutoNum type="arabicPeriod"/>
+            </a:pPr>
+            <a:endParaRPr lang="ko-KR" altLang="en-US" sz="2000" dirty="0">
+              <a:latin typeface="에스코어 드림 9 Black" panose="020B0A03030302020204" pitchFamily="34" charset="-127"/>
+              <a:ea typeface="에스코어 드림 9 Black" panose="020B0A03030302020204" pitchFamily="34" charset="-127"/>
+            </a:endParaRPr>
+          </a:p>
+        </p:txBody>
+      </p:sp>
+      <p:sp>
+        <p:nvSpPr>
+          <p:cNvPr id="9" name="TextBox 8"/>
+          <p:cNvSpPr txBox="1"/>
+          <p:nvPr/>
+        </p:nvSpPr>
+        <p:spPr>
+          <a:xfrm>
+            <a:off x="5093923" y="1614451"/>
+            <a:ext cx="2159566" cy="1323439"/>
+          </a:xfrm>
+          <a:prstGeom prst="rect">
+            <a:avLst/>
+          </a:prstGeom>
+          <a:noFill/>
+        </p:spPr>
+        <p:txBody>
+          <a:bodyPr wrap="none" rtlCol="0">
+            <a:spAutoFit/>
+          </a:bodyPr>
+          <a:lstStyle/>
+          <a:p>
+            <a:pPr algn="ctr"/>
+            <a:r>
+              <a:rPr lang="ko-KR" altLang="en-US" sz="8000" dirty="0" smtClean="0">
+                <a:solidFill>
+                  <a:srgbClr val="FFED00"/>
+                </a:solidFill>
+                <a:effectLst>
+                  <a:outerShdw blurRad="38100" dist="38100" dir="2700000" algn="tl">
+                    <a:srgbClr val="000000">
+                      <a:alpha val="43137"/>
+                    </a:srgbClr>
+                  </a:outerShdw>
+                </a:effectLst>
+                <a:latin typeface="G마켓 산스 TTF Bold" panose="02000000000000000000" pitchFamily="2" charset="-127"/>
+                <a:ea typeface="G마켓 산스 TTF Bold" panose="02000000000000000000" pitchFamily="2" charset="-127"/>
+              </a:rPr>
+              <a:t>목차</a:t>
+            </a:r>
+            <a:endParaRPr lang="ko-KR" altLang="en-US" sz="8000" dirty="0">
+              <a:solidFill>
+                <a:srgbClr val="FFED00"/>
+              </a:solidFill>
+              <a:effectLst>
+                <a:outerShdw blurRad="38100" dist="38100" dir="2700000" algn="tl">
+                  <a:srgbClr val="000000">
+                    <a:alpha val="43137"/>
+                  </a:srgbClr>
+                </a:outerShdw>
+              </a:effectLst>
+              <a:latin typeface="G마켓 산스 TTF Bold" panose="02000000000000000000" pitchFamily="2" charset="-127"/>
+              <a:ea typeface="G마켓 산스 TTF Bold" panose="02000000000000000000" pitchFamily="2" charset="-127"/>
+            </a:endParaRPr>
+          </a:p>
+        </p:txBody>
+      </p:sp>
+    </p:spTree>
+    <p:extLst>
+      <p:ext uri="{BB962C8B-B14F-4D97-AF65-F5344CB8AC3E}">
+        <p14:creationId xmlns:p14="http://schemas.microsoft.com/office/powerpoint/2010/main" val="557993992"/>
+      </p:ext>
+    </p:extLst>
+  </p:cSld>
+  <p:clrMapOvr>
+    <a:masterClrMapping/>
+  </p:clrMapOvr>
+</p:sld>
+</file>
+
+<file path=ppt/slides/slide3.xml><?xml version="1.0" encoding="utf-8"?>
+<p:sld xmlns:a="http://schemas.openxmlformats.org/drawingml/2006/main" xmlns:r="http://schemas.openxmlformats.org/officeDocument/2006/relationships" xmlns:p="http://schemas.openxmlformats.org/presentationml/2006/main">
+  <p:cSld>
+    <p:bg>
+      <p:bgPr>
+        <a:solidFill>
+          <a:srgbClr val="FFFDEB"/>
+        </a:solidFill>
+        <a:effectLst/>
+      </p:bgPr>
+    </p:bg>
+    <p:spTree>
+      <p:nvGrpSpPr>
+        <p:cNvPr id="1" name=""/>
+        <p:cNvGrpSpPr/>
+        <p:nvPr/>
+      </p:nvGrpSpPr>
+      <p:grpSpPr>
+        <a:xfrm>
+          <a:off x="0" y="0"/>
+          <a:ext cx="0" cy="0"/>
+          <a:chOff x="0" y="0"/>
+          <a:chExt cx="0" cy="0"/>
+        </a:xfrm>
+      </p:grpSpPr>
+      <p:sp>
+        <p:nvSpPr>
+          <p:cNvPr id="5" name="제목 1"/>
+          <p:cNvSpPr txBox="1">
+            <a:spLocks/>
+          </p:cNvSpPr>
+          <p:nvPr/>
+        </p:nvSpPr>
+        <p:spPr>
+          <a:xfrm>
+            <a:off x="6733309" y="0"/>
+            <a:ext cx="5384800" cy="452582"/>
+          </a:xfrm>
+          <a:prstGeom prst="rect">
+            <a:avLst/>
+          </a:prstGeom>
+        </p:spPr>
+        <p:txBody>
+          <a:bodyPr vert="horz" lIns="91440" tIns="45720" rIns="91440" bIns="45720" rtlCol="0" anchor="b">
+            <a:normAutofit fontScale="25000" lnSpcReduction="20000"/>
+          </a:bodyPr>
+          <a:lstStyle>
+            <a:lvl1pPr algn="ctr" defTabSz="914400" rtl="0" eaLnBrk="1" latinLnBrk="1" hangingPunct="1">
+              <a:lnSpc>
+                <a:spcPct val="90000"/>
+              </a:lnSpc>
+              <a:spcBef>
+                <a:spcPct val="0"/>
+              </a:spcBef>
+              <a:buNone/>
+              <a:defRPr sz="6000" kern="1200">
+                <a:solidFill>
+                  <a:schemeClr val="tx1"/>
+                </a:solidFill>
+                <a:latin typeface="+mj-lt"/>
+                <a:ea typeface="+mj-ea"/>
+                <a:cs typeface="+mj-cs"/>
+              </a:defRPr>
+            </a:lvl1pPr>
+          </a:lstStyle>
+          <a:p>
+            <a:r>
+              <a:rPr lang="en-US" altLang="ko-KR" b="1" dirty="0">
+                <a:latin typeface="G마켓 산스 TTF Medium" panose="02000000000000000000" pitchFamily="2" charset="-127"/>
+                <a:ea typeface="G마켓 산스 TTF Medium" panose="02000000000000000000" pitchFamily="2" charset="-127"/>
+              </a:rPr>
+              <a:t>[ </a:t>
+            </a:r>
+            <a:r>
+              <a:rPr lang="ko-KR" altLang="en-US" b="1" dirty="0" err="1">
+                <a:latin typeface="G마켓 산스 TTF Medium" panose="02000000000000000000" pitchFamily="2" charset="-127"/>
+                <a:ea typeface="G마켓 산스 TTF Medium" panose="02000000000000000000" pitchFamily="2" charset="-127"/>
+              </a:rPr>
+              <a:t>프론트엔드</a:t>
+            </a:r>
+            <a:r>
+              <a:rPr lang="en-US" altLang="ko-KR" b="1" dirty="0">
+                <a:latin typeface="G마켓 산스 TTF Medium" panose="02000000000000000000" pitchFamily="2" charset="-127"/>
+                <a:ea typeface="G마켓 산스 TTF Medium" panose="02000000000000000000" pitchFamily="2" charset="-127"/>
+              </a:rPr>
+              <a:t>(React, PHP), </a:t>
+            </a:r>
+            <a:r>
+              <a:rPr lang="ko-KR" altLang="en-US" b="1" dirty="0" err="1">
+                <a:latin typeface="G마켓 산스 TTF Medium" panose="02000000000000000000" pitchFamily="2" charset="-127"/>
+                <a:ea typeface="G마켓 산스 TTF Medium" panose="02000000000000000000" pitchFamily="2" charset="-127"/>
+              </a:rPr>
+              <a:t>플러터</a:t>
+            </a:r>
+            <a:r>
+              <a:rPr lang="en-US" altLang="ko-KR" b="1" dirty="0">
+                <a:latin typeface="G마켓 산스 TTF Medium" panose="02000000000000000000" pitchFamily="2" charset="-127"/>
+                <a:ea typeface="G마켓 산스 TTF Medium" panose="02000000000000000000" pitchFamily="2" charset="-127"/>
+              </a:rPr>
+              <a:t>(Flutter)</a:t>
+            </a:r>
+            <a:r>
+              <a:rPr lang="ko-KR" altLang="en-US" b="1" dirty="0">
+                <a:latin typeface="G마켓 산스 TTF Medium" panose="02000000000000000000" pitchFamily="2" charset="-127"/>
+                <a:ea typeface="G마켓 산스 TTF Medium" panose="02000000000000000000" pitchFamily="2" charset="-127"/>
+              </a:rPr>
+              <a:t>활용 웹</a:t>
+            </a:r>
+            <a:r>
+              <a:rPr lang="en-US" altLang="ko-KR" b="1" dirty="0">
+                <a:latin typeface="G마켓 산스 TTF Medium" panose="02000000000000000000" pitchFamily="2" charset="-127"/>
+                <a:ea typeface="G마켓 산스 TTF Medium" panose="02000000000000000000" pitchFamily="2" charset="-127"/>
+              </a:rPr>
+              <a:t>&amp;</a:t>
+            </a:r>
+            <a:r>
+              <a:rPr lang="ko-KR" altLang="en-US" b="1" dirty="0" err="1" smtClean="0">
+                <a:latin typeface="G마켓 산스 TTF Medium" panose="02000000000000000000" pitchFamily="2" charset="-127"/>
+                <a:ea typeface="G마켓 산스 TTF Medium" panose="02000000000000000000" pitchFamily="2" charset="-127"/>
+              </a:rPr>
+              <a:t>앱개발</a:t>
+            </a:r>
+            <a:r>
+              <a:rPr lang="en-US" altLang="ko-KR" b="1" dirty="0" smtClean="0">
+                <a:latin typeface="G마켓 산스 TTF Medium" panose="02000000000000000000" pitchFamily="2" charset="-127"/>
+                <a:ea typeface="G마켓 산스 TTF Medium" panose="02000000000000000000" pitchFamily="2" charset="-127"/>
+              </a:rPr>
+              <a:t>]</a:t>
+            </a:r>
+            <a:endParaRPr lang="ko-KR" altLang="en-US" b="1" dirty="0">
+              <a:latin typeface="G마켓 산스 TTF Medium" panose="02000000000000000000" pitchFamily="2" charset="-127"/>
+              <a:ea typeface="G마켓 산스 TTF Medium" panose="02000000000000000000" pitchFamily="2" charset="-127"/>
+            </a:endParaRPr>
+          </a:p>
+        </p:txBody>
+      </p:sp>
+      <p:sp>
+        <p:nvSpPr>
+          <p:cNvPr id="7" name="제목 1"/>
+          <p:cNvSpPr txBox="1">
+            <a:spLocks/>
+          </p:cNvSpPr>
+          <p:nvPr/>
+        </p:nvSpPr>
+        <p:spPr>
+          <a:xfrm>
+            <a:off x="5093923" y="3590633"/>
+            <a:ext cx="3045058" cy="2135911"/>
+          </a:xfrm>
+          <a:prstGeom prst="rect">
+            <a:avLst/>
+          </a:prstGeom>
+        </p:spPr>
+        <p:txBody>
+          <a:bodyPr vert="horz" lIns="91440" tIns="45720" rIns="91440" bIns="45720" rtlCol="0" anchor="b">
+            <a:normAutofit/>
+          </a:bodyPr>
+          <a:lstStyle>
+            <a:lvl1pPr algn="ctr" defTabSz="914400" rtl="0" eaLnBrk="1" latinLnBrk="1" hangingPunct="1">
+              <a:lnSpc>
+                <a:spcPct val="90000"/>
+              </a:lnSpc>
+              <a:spcBef>
+                <a:spcPct val="0"/>
+              </a:spcBef>
+              <a:buNone/>
+              <a:defRPr sz="6000" kern="1200">
+                <a:solidFill>
+                  <a:schemeClr val="tx1"/>
+                </a:solidFill>
+                <a:latin typeface="+mj-lt"/>
+                <a:ea typeface="+mj-ea"/>
+                <a:cs typeface="+mj-cs"/>
+              </a:defRPr>
+            </a:lvl1pPr>
+          </a:lstStyle>
+          <a:p>
+            <a:pPr marL="457200" indent="-457200" algn="l">
+              <a:buAutoNum type="arabicPeriod"/>
+            </a:pPr>
+            <a:r>
+              <a:rPr lang="ko-KR" altLang="en-US" sz="2000" dirty="0" smtClean="0">
+                <a:latin typeface="에스코어 드림 9 Black" panose="020B0A03030302020204" pitchFamily="34" charset="-127"/>
+                <a:ea typeface="에스코어 드림 9 Black" panose="020B0A03030302020204" pitchFamily="34" charset="-127"/>
+              </a:rPr>
+              <a:t>기획의도</a:t>
+            </a:r>
+            <a:endParaRPr lang="en-US" altLang="ko-KR" sz="2000" dirty="0" smtClean="0">
+              <a:latin typeface="에스코어 드림 9 Black" panose="020B0A03030302020204" pitchFamily="34" charset="-127"/>
+              <a:ea typeface="에스코어 드림 9 Black" panose="020B0A03030302020204" pitchFamily="34" charset="-127"/>
+            </a:endParaRPr>
+          </a:p>
+          <a:p>
+            <a:pPr marL="457200" indent="-457200" algn="l">
+              <a:buAutoNum type="arabicPeriod"/>
+            </a:pPr>
+            <a:endParaRPr lang="en-US" altLang="ko-KR" sz="2000" dirty="0">
+              <a:latin typeface="에스코어 드림 9 Black" panose="020B0A03030302020204" pitchFamily="34" charset="-127"/>
+              <a:ea typeface="에스코어 드림 9 Black" panose="020B0A03030302020204" pitchFamily="34" charset="-127"/>
+            </a:endParaRPr>
+          </a:p>
+          <a:p>
+            <a:pPr marL="457200" indent="-457200" algn="l">
+              <a:buAutoNum type="arabicPeriod"/>
+            </a:pPr>
+            <a:r>
+              <a:rPr lang="ko-KR" altLang="en-US" sz="2000" dirty="0" smtClean="0">
+                <a:latin typeface="에스코어 드림 9 Black" panose="020B0A03030302020204" pitchFamily="34" charset="-127"/>
+                <a:ea typeface="에스코어 드림 9 Black" panose="020B0A03030302020204" pitchFamily="34" charset="-127"/>
+              </a:rPr>
+              <a:t>사이트 설계</a:t>
+            </a:r>
+            <a:endParaRPr lang="en-US" altLang="ko-KR" sz="2000" dirty="0" smtClean="0">
+              <a:latin typeface="에스코어 드림 9 Black" panose="020B0A03030302020204" pitchFamily="34" charset="-127"/>
+              <a:ea typeface="에스코어 드림 9 Black" panose="020B0A03030302020204" pitchFamily="34" charset="-127"/>
+            </a:endParaRPr>
+          </a:p>
+          <a:p>
+            <a:pPr marL="457200" indent="-457200" algn="l">
+              <a:buAutoNum type="arabicPeriod"/>
+            </a:pPr>
+            <a:endParaRPr lang="en-US" altLang="ko-KR" sz="2000" dirty="0" smtClean="0">
+              <a:latin typeface="에스코어 드림 9 Black" panose="020B0A03030302020204" pitchFamily="34" charset="-127"/>
+              <a:ea typeface="에스코어 드림 9 Black" panose="020B0A03030302020204" pitchFamily="34" charset="-127"/>
+            </a:endParaRPr>
+          </a:p>
+          <a:p>
+            <a:pPr marL="457200" indent="-457200" algn="l">
+              <a:buAutoNum type="arabicPeriod"/>
+            </a:pPr>
+            <a:r>
+              <a:rPr lang="ko-KR" altLang="en-US" sz="2000" dirty="0" smtClean="0">
+                <a:latin typeface="에스코어 드림 9 Black" panose="020B0A03030302020204" pitchFamily="34" charset="-127"/>
+                <a:ea typeface="에스코어 드림 9 Black" panose="020B0A03030302020204" pitchFamily="34" charset="-127"/>
+              </a:rPr>
+              <a:t>사이트 구현</a:t>
+            </a:r>
+            <a:endParaRPr lang="en-US" altLang="ko-KR" sz="2000" dirty="0" smtClean="0">
+              <a:latin typeface="에스코어 드림 9 Black" panose="020B0A03030302020204" pitchFamily="34" charset="-127"/>
+              <a:ea typeface="에스코어 드림 9 Black" panose="020B0A03030302020204" pitchFamily="34" charset="-127"/>
+            </a:endParaRPr>
+          </a:p>
+          <a:p>
+            <a:pPr marL="457200" indent="-457200" algn="l">
+              <a:buAutoNum type="arabicPeriod"/>
+            </a:pPr>
+            <a:endParaRPr lang="en-US" altLang="ko-KR" sz="2000" dirty="0" smtClean="0">
+              <a:latin typeface="에스코어 드림 9 Black" panose="020B0A03030302020204" pitchFamily="34" charset="-127"/>
+              <a:ea typeface="에스코어 드림 9 Black" panose="020B0A03030302020204" pitchFamily="34" charset="-127"/>
+            </a:endParaRPr>
+          </a:p>
+          <a:p>
+            <a:pPr marL="457200" indent="-457200" algn="l">
+              <a:buAutoNum type="arabicPeriod"/>
+            </a:pPr>
+            <a:r>
+              <a:rPr lang="ko-KR" altLang="en-US" sz="2000" dirty="0" smtClean="0">
+                <a:latin typeface="에스코어 드림 9 Black" panose="020B0A03030302020204" pitchFamily="34" charset="-127"/>
+                <a:ea typeface="에스코어 드림 9 Black" panose="020B0A03030302020204" pitchFamily="34" charset="-127"/>
+              </a:rPr>
+              <a:t>향후 개발 방향</a:t>
+            </a:r>
+            <a:endParaRPr lang="en-US" altLang="ko-KR" sz="2000" dirty="0" smtClean="0">
+              <a:latin typeface="에스코어 드림 9 Black" panose="020B0A03030302020204" pitchFamily="34" charset="-127"/>
+              <a:ea typeface="에스코어 드림 9 Black" panose="020B0A03030302020204" pitchFamily="34" charset="-127"/>
+            </a:endParaRPr>
+          </a:p>
+          <a:p>
+            <a:pPr marL="457200" indent="-457200">
+              <a:buAutoNum type="arabicPeriod"/>
+            </a:pPr>
+            <a:endParaRPr lang="ko-KR" altLang="en-US" sz="2000" dirty="0">
+              <a:latin typeface="에스코어 드림 9 Black" panose="020B0A03030302020204" pitchFamily="34" charset="-127"/>
+              <a:ea typeface="에스코어 드림 9 Black" panose="020B0A03030302020204" pitchFamily="34" charset="-127"/>
+            </a:endParaRPr>
+          </a:p>
+        </p:txBody>
+      </p:sp>
+      <p:sp>
+        <p:nvSpPr>
+          <p:cNvPr id="9" name="TextBox 8"/>
+          <p:cNvSpPr txBox="1"/>
+          <p:nvPr/>
+        </p:nvSpPr>
+        <p:spPr>
+          <a:xfrm>
+            <a:off x="5093923" y="1614451"/>
+            <a:ext cx="2159566" cy="1323439"/>
+          </a:xfrm>
+          <a:prstGeom prst="rect">
+            <a:avLst/>
+          </a:prstGeom>
+          <a:noFill/>
+        </p:spPr>
+        <p:txBody>
+          <a:bodyPr wrap="none" rtlCol="0">
+            <a:spAutoFit/>
+          </a:bodyPr>
+          <a:lstStyle/>
+          <a:p>
+            <a:pPr algn="ctr"/>
+            <a:r>
+              <a:rPr lang="ko-KR" altLang="en-US" sz="8000" dirty="0" smtClean="0">
+                <a:solidFill>
+                  <a:srgbClr val="FFED00"/>
+                </a:solidFill>
+                <a:effectLst>
+                  <a:outerShdw blurRad="38100" dist="38100" dir="2700000" algn="tl">
+                    <a:srgbClr val="000000">
+                      <a:alpha val="43137"/>
+                    </a:srgbClr>
+                  </a:outerShdw>
+                </a:effectLst>
+                <a:latin typeface="G마켓 산스 TTF Bold" panose="02000000000000000000" pitchFamily="2" charset="-127"/>
+                <a:ea typeface="G마켓 산스 TTF Bold" panose="02000000000000000000" pitchFamily="2" charset="-127"/>
+              </a:rPr>
+              <a:t>목차</a:t>
+            </a:r>
+            <a:endParaRPr lang="ko-KR" altLang="en-US" sz="8000" dirty="0">
+              <a:solidFill>
+                <a:srgbClr val="FFED00"/>
+              </a:solidFill>
+              <a:effectLst>
+                <a:outerShdw blurRad="38100" dist="38100" dir="2700000" algn="tl">
+                  <a:srgbClr val="000000">
+                    <a:alpha val="43137"/>
+                  </a:srgbClr>
+                </a:outerShdw>
+              </a:effectLst>
+              <a:latin typeface="G마켓 산스 TTF Bold" panose="02000000000000000000" pitchFamily="2" charset="-127"/>
+              <a:ea typeface="G마켓 산스 TTF Bold" panose="02000000000000000000" pitchFamily="2" charset="-127"/>
+            </a:endParaRPr>
+          </a:p>
+        </p:txBody>
+      </p:sp>
+    </p:spTree>
+    <p:extLst>
+      <p:ext uri="{BB962C8B-B14F-4D97-AF65-F5344CB8AC3E}">
+        <p14:creationId xmlns:p14="http://schemas.microsoft.com/office/powerpoint/2010/main" val="4270291555"/>
       </p:ext>
     </p:extLst>
   </p:cSld>
